--- a/EmailClassifyerAggregatedDesignDocument.pptx
+++ b/EmailClassifyerAggregatedDesignDocument.pptx
@@ -8,6 +8,8 @@
     <p:sldId id="256" r:id="rId2"/>
     <p:sldId id="257" r:id="rId3"/>
     <p:sldId id="258" r:id="rId4"/>
+    <p:sldId id="259" r:id="rId5"/>
+    <p:sldId id="260" r:id="rId6"/>
   </p:sldIdLst>
   <p:sldSz cx="12192000" cy="6858000"/>
   <p:notesSz cx="6858000" cy="9144000"/>
@@ -106,6 +108,11 @@
       </a:defRPr>
     </a:lvl9pPr>
   </p:defaultTextStyle>
+  <p:extLst>
+    <p:ext uri="{EFAFB233-063F-42B5-8137-9DF3F51BA10A}">
+      <p15:sldGuideLst xmlns:p15="http://schemas.microsoft.com/office/powerpoint/2012/main"/>
+    </p:ext>
+  </p:extLst>
 </p:presentation>
 </file>
 
@@ -113,6 +120,7 @@
 <p1510:revInfo xmlns:a="http://schemas.openxmlformats.org/drawingml/2006/main" xmlns:r="http://schemas.openxmlformats.org/officeDocument/2006/relationships" xmlns:p1510="http://schemas.microsoft.com/office/powerpoint/2015/10/main">
   <p1510:revLst>
     <p1510:client id="{0DE8D00A-F1A4-45F5-AF16-6D0839B7235A}" v="19" dt="2025-03-25T19:29:56.197"/>
+    <p1510:client id="{0F62345A-0020-4D3F-B404-AF2FA5A3F25C}" v="3" dt="2025-03-25T19:53:57.123"/>
   </p1510:revLst>
 </p1510:revInfo>
 </file>
@@ -477,6 +485,77 @@
       </pc:sldChg>
     </pc:docChg>
   </pc:docChgLst>
+  <pc:docChgLst>
+    <pc:chgData name="charan chandrashekar" userId="c81a8a65e60d8043" providerId="LiveId" clId="{0F62345A-0020-4D3F-B404-AF2FA5A3F25C}"/>
+    <pc:docChg chg="undo custSel addSld modSld">
+      <pc:chgData name="charan chandrashekar" userId="c81a8a65e60d8043" providerId="LiveId" clId="{0F62345A-0020-4D3F-B404-AF2FA5A3F25C}" dt="2025-03-25T19:54:33.471" v="738" actId="1076"/>
+      <pc:docMkLst>
+        <pc:docMk/>
+      </pc:docMkLst>
+      <pc:sldChg chg="addSp delSp modSp add mod">
+        <pc:chgData name="charan chandrashekar" userId="c81a8a65e60d8043" providerId="LiveId" clId="{0F62345A-0020-4D3F-B404-AF2FA5A3F25C}" dt="2025-03-25T19:53:47.046" v="719" actId="1076"/>
+        <pc:sldMkLst>
+          <pc:docMk/>
+          <pc:sldMk cId="3663833025" sldId="259"/>
+        </pc:sldMkLst>
+        <pc:spChg chg="mod">
+          <ac:chgData name="charan chandrashekar" userId="c81a8a65e60d8043" providerId="LiveId" clId="{0F62345A-0020-4D3F-B404-AF2FA5A3F25C}" dt="2025-03-25T19:52:54.421" v="683" actId="1076"/>
+          <ac:spMkLst>
+            <pc:docMk/>
+            <pc:sldMk cId="3663833025" sldId="259"/>
+            <ac:spMk id="2" creationId="{37D23440-EF7A-05D7-EDCB-2C96AFB27427}"/>
+          </ac:spMkLst>
+        </pc:spChg>
+        <pc:spChg chg="add mod">
+          <ac:chgData name="charan chandrashekar" userId="c81a8a65e60d8043" providerId="LiveId" clId="{0F62345A-0020-4D3F-B404-AF2FA5A3F25C}" dt="2025-03-25T19:53:01.992" v="684" actId="1076"/>
+          <ac:spMkLst>
+            <pc:docMk/>
+            <pc:sldMk cId="3663833025" sldId="259"/>
+            <ac:spMk id="3" creationId="{E3799EB4-46F4-2090-5132-9F1D52226BD1}"/>
+          </ac:spMkLst>
+        </pc:spChg>
+        <pc:spChg chg="add del mod">
+          <ac:chgData name="charan chandrashekar" userId="c81a8a65e60d8043" providerId="LiveId" clId="{0F62345A-0020-4D3F-B404-AF2FA5A3F25C}" dt="2025-03-25T19:53:37.469" v="718" actId="14100"/>
+          <ac:spMkLst>
+            <pc:docMk/>
+            <pc:sldMk cId="3663833025" sldId="259"/>
+            <ac:spMk id="4" creationId="{180FBEB5-AC44-766B-38F5-CB4EBBD039E7}"/>
+          </ac:spMkLst>
+        </pc:spChg>
+        <pc:picChg chg="add mod">
+          <ac:chgData name="charan chandrashekar" userId="c81a8a65e60d8043" providerId="LiveId" clId="{0F62345A-0020-4D3F-B404-AF2FA5A3F25C}" dt="2025-03-25T19:53:47.046" v="719" actId="1076"/>
+          <ac:picMkLst>
+            <pc:docMk/>
+            <pc:sldMk cId="3663833025" sldId="259"/>
+            <ac:picMk id="6" creationId="{EDCA553A-97F2-22F5-5E0C-6C088A6FAD00}"/>
+          </ac:picMkLst>
+        </pc:picChg>
+      </pc:sldChg>
+      <pc:sldChg chg="delSp modSp add mod">
+        <pc:chgData name="charan chandrashekar" userId="c81a8a65e60d8043" providerId="LiveId" clId="{0F62345A-0020-4D3F-B404-AF2FA5A3F25C}" dt="2025-03-25T19:54:33.471" v="738" actId="1076"/>
+        <pc:sldMkLst>
+          <pc:docMk/>
+          <pc:sldMk cId="1589921510" sldId="260"/>
+        </pc:sldMkLst>
+        <pc:spChg chg="mod">
+          <ac:chgData name="charan chandrashekar" userId="c81a8a65e60d8043" providerId="LiveId" clId="{0F62345A-0020-4D3F-B404-AF2FA5A3F25C}" dt="2025-03-25T19:54:33.471" v="738" actId="1076"/>
+          <ac:spMkLst>
+            <pc:docMk/>
+            <pc:sldMk cId="1589921510" sldId="260"/>
+            <ac:spMk id="2" creationId="{1FF99E70-8B0A-A04F-8209-093D30B07348}"/>
+          </ac:spMkLst>
+        </pc:spChg>
+        <pc:spChg chg="del">
+          <ac:chgData name="charan chandrashekar" userId="c81a8a65e60d8043" providerId="LiveId" clId="{0F62345A-0020-4D3F-B404-AF2FA5A3F25C}" dt="2025-03-25T19:54:16.381" v="736" actId="478"/>
+          <ac:spMkLst>
+            <pc:docMk/>
+            <pc:sldMk cId="1589921510" sldId="260"/>
+            <ac:spMk id="4" creationId="{57462C6A-5D37-CFD2-0A09-13153192937C}"/>
+          </ac:spMkLst>
+        </pc:spChg>
+      </pc:sldChg>
+    </pc:docChg>
+  </pc:docChgLst>
 </pc:chgInfo>
 </file>
 
@@ -668,7 +747,7 @@
           <a:p>
             <a:fld id="{B55B6C32-E5CE-4174-B4AD-361043D7E643}" type="datetimeFigureOut">
               <a:rPr lang="en-IN" smtClean="0"/>
-              <a:t>25-03-2025</a:t>
+              <a:t>26-03-2025</a:t>
             </a:fld>
             <a:endParaRPr lang="en-IN"/>
           </a:p>
@@ -1006,7 +1085,7 @@
           <a:p>
             <a:fld id="{B55B6C32-E5CE-4174-B4AD-361043D7E643}" type="datetimeFigureOut">
               <a:rPr lang="en-IN" smtClean="0"/>
-              <a:t>25-03-2025</a:t>
+              <a:t>26-03-2025</a:t>
             </a:fld>
             <a:endParaRPr lang="en-IN"/>
           </a:p>
@@ -1407,7 +1486,7 @@
           <a:p>
             <a:fld id="{B55B6C32-E5CE-4174-B4AD-361043D7E643}" type="datetimeFigureOut">
               <a:rPr lang="en-IN" smtClean="0"/>
-              <a:t>25-03-2025</a:t>
+              <a:t>26-03-2025</a:t>
             </a:fld>
             <a:endParaRPr lang="en-IN"/>
           </a:p>
@@ -1743,7 +1822,7 @@
           <a:p>
             <a:fld id="{B55B6C32-E5CE-4174-B4AD-361043D7E643}" type="datetimeFigureOut">
               <a:rPr lang="en-IN" smtClean="0"/>
-              <a:t>25-03-2025</a:t>
+              <a:t>26-03-2025</a:t>
             </a:fld>
             <a:endParaRPr lang="en-IN"/>
           </a:p>
@@ -2063,7 +2142,7 @@
           <a:p>
             <a:fld id="{B55B6C32-E5CE-4174-B4AD-361043D7E643}" type="datetimeFigureOut">
               <a:rPr lang="en-IN" smtClean="0"/>
-              <a:t>25-03-2025</a:t>
+              <a:t>26-03-2025</a:t>
             </a:fld>
             <a:endParaRPr lang="en-IN"/>
           </a:p>
@@ -2459,7 +2538,7 @@
           <a:p>
             <a:fld id="{B55B6C32-E5CE-4174-B4AD-361043D7E643}" type="datetimeFigureOut">
               <a:rPr lang="en-IN" smtClean="0"/>
-              <a:t>25-03-2025</a:t>
+              <a:t>26-03-2025</a:t>
             </a:fld>
             <a:endParaRPr lang="en-IN"/>
           </a:p>
@@ -2716,7 +2795,7 @@
           <a:p>
             <a:fld id="{B55B6C32-E5CE-4174-B4AD-361043D7E643}" type="datetimeFigureOut">
               <a:rPr lang="en-IN" smtClean="0"/>
-              <a:t>25-03-2025</a:t>
+              <a:t>26-03-2025</a:t>
             </a:fld>
             <a:endParaRPr lang="en-IN"/>
           </a:p>
@@ -2978,7 +3057,7 @@
           <a:p>
             <a:fld id="{B55B6C32-E5CE-4174-B4AD-361043D7E643}" type="datetimeFigureOut">
               <a:rPr lang="en-IN" smtClean="0"/>
-              <a:t>25-03-2025</a:t>
+              <a:t>26-03-2025</a:t>
             </a:fld>
             <a:endParaRPr lang="en-IN"/>
           </a:p>
@@ -3240,7 +3319,7 @@
           <a:p>
             <a:fld id="{B55B6C32-E5CE-4174-B4AD-361043D7E643}" type="datetimeFigureOut">
               <a:rPr lang="en-IN" smtClean="0"/>
-              <a:t>25-03-2025</a:t>
+              <a:t>26-03-2025</a:t>
             </a:fld>
             <a:endParaRPr lang="en-IN"/>
           </a:p>
@@ -3569,7 +3648,7 @@
           <a:p>
             <a:fld id="{B55B6C32-E5CE-4174-B4AD-361043D7E643}" type="datetimeFigureOut">
               <a:rPr lang="en-IN" smtClean="0"/>
-              <a:t>25-03-2025</a:t>
+              <a:t>26-03-2025</a:t>
             </a:fld>
             <a:endParaRPr lang="en-IN"/>
           </a:p>
@@ -3892,7 +3971,7 @@
           <a:p>
             <a:fld id="{B55B6C32-E5CE-4174-B4AD-361043D7E643}" type="datetimeFigureOut">
               <a:rPr lang="en-IN" smtClean="0"/>
-              <a:t>25-03-2025</a:t>
+              <a:t>26-03-2025</a:t>
             </a:fld>
             <a:endParaRPr lang="en-IN"/>
           </a:p>
@@ -4349,7 +4428,7 @@
           <a:p>
             <a:fld id="{B55B6C32-E5CE-4174-B4AD-361043D7E643}" type="datetimeFigureOut">
               <a:rPr lang="en-IN" smtClean="0"/>
-              <a:t>25-03-2025</a:t>
+              <a:t>26-03-2025</a:t>
             </a:fld>
             <a:endParaRPr lang="en-IN"/>
           </a:p>
@@ -4554,7 +4633,7 @@
           <a:p>
             <a:fld id="{B55B6C32-E5CE-4174-B4AD-361043D7E643}" type="datetimeFigureOut">
               <a:rPr lang="en-IN" smtClean="0"/>
-              <a:t>25-03-2025</a:t>
+              <a:t>26-03-2025</a:t>
             </a:fld>
             <a:endParaRPr lang="en-IN"/>
           </a:p>
@@ -4731,7 +4810,7 @@
           <a:p>
             <a:fld id="{B55B6C32-E5CE-4174-B4AD-361043D7E643}" type="datetimeFigureOut">
               <a:rPr lang="en-IN" smtClean="0"/>
-              <a:t>25-03-2025</a:t>
+              <a:t>26-03-2025</a:t>
             </a:fld>
             <a:endParaRPr lang="en-IN"/>
           </a:p>
@@ -5064,7 +5143,7 @@
           <a:p>
             <a:fld id="{B55B6C32-E5CE-4174-B4AD-361043D7E643}" type="datetimeFigureOut">
               <a:rPr lang="en-IN" smtClean="0"/>
-              <a:t>25-03-2025</a:t>
+              <a:t>26-03-2025</a:t>
             </a:fld>
             <a:endParaRPr lang="en-IN"/>
           </a:p>
@@ -5409,7 +5488,7 @@
           <a:p>
             <a:fld id="{B55B6C32-E5CE-4174-B4AD-361043D7E643}" type="datetimeFigureOut">
               <a:rPr lang="en-IN" smtClean="0"/>
-              <a:t>25-03-2025</a:t>
+              <a:t>26-03-2025</a:t>
             </a:fld>
             <a:endParaRPr lang="en-IN"/>
           </a:p>
@@ -7526,7 +7605,7 @@
           <a:p>
             <a:fld id="{B55B6C32-E5CE-4174-B4AD-361043D7E643}" type="datetimeFigureOut">
               <a:rPr lang="en-IN" smtClean="0"/>
-              <a:t>25-03-2025</a:t>
+              <a:t>26-03-2025</a:t>
             </a:fld>
             <a:endParaRPr lang="en-IN"/>
           </a:p>
@@ -9687,6 +9766,486 @@
 </p:sld>
 </file>
 
+<file path=ppt/slides/slide4.xml><?xml version="1.0" encoding="utf-8"?>
+<p:sld xmlns:a="http://schemas.openxmlformats.org/drawingml/2006/main" xmlns:r="http://schemas.openxmlformats.org/officeDocument/2006/relationships" xmlns:p="http://schemas.openxmlformats.org/presentationml/2006/main">
+  <p:cSld>
+    <p:spTree>
+      <p:nvGrpSpPr>
+        <p:cNvPr id="1" name="">
+          <a:extLst>
+            <a:ext uri="{FF2B5EF4-FFF2-40B4-BE49-F238E27FC236}">
+              <a16:creationId xmlns:a16="http://schemas.microsoft.com/office/drawing/2014/main" id="{483F2306-BC45-1AED-14D3-FAA63414EFC9}"/>
+            </a:ext>
+          </a:extLst>
+        </p:cNvPr>
+        <p:cNvGrpSpPr/>
+        <p:nvPr/>
+      </p:nvGrpSpPr>
+      <p:grpSpPr>
+        <a:xfrm>
+          <a:off x="0" y="0"/>
+          <a:ext cx="0" cy="0"/>
+          <a:chOff x="0" y="0"/>
+          <a:chExt cx="0" cy="0"/>
+        </a:xfrm>
+      </p:grpSpPr>
+      <p:sp>
+        <p:nvSpPr>
+          <p:cNvPr id="2" name="Title 1">
+            <a:extLst>
+              <a:ext uri="{FF2B5EF4-FFF2-40B4-BE49-F238E27FC236}">
+                <a16:creationId xmlns:a16="http://schemas.microsoft.com/office/drawing/2014/main" id="{37D23440-EF7A-05D7-EDCB-2C96AFB27427}"/>
+              </a:ext>
+            </a:extLst>
+          </p:cNvPr>
+          <p:cNvSpPr>
+            <a:spLocks noGrp="1"/>
+          </p:cNvSpPr>
+          <p:nvPr>
+            <p:ph type="ctrTitle"/>
+          </p:nvPr>
+        </p:nvSpPr>
+        <p:spPr>
+          <a:xfrm>
+            <a:off x="1579121" y="146062"/>
+            <a:ext cx="8915399" cy="1079205"/>
+          </a:xfrm>
+        </p:spPr>
+        <p:txBody>
+          <a:bodyPr>
+            <a:normAutofit/>
+          </a:bodyPr>
+          <a:lstStyle/>
+          <a:p>
+            <a:r>
+              <a:rPr lang="en-IN" sz="3600" b="1" u="sng" dirty="0"/>
+              <a:t>Benefits</a:t>
+            </a:r>
+          </a:p>
+        </p:txBody>
+      </p:sp>
+      <p:sp>
+        <p:nvSpPr>
+          <p:cNvPr id="4" name="Title 1">
+            <a:extLst>
+              <a:ext uri="{FF2B5EF4-FFF2-40B4-BE49-F238E27FC236}">
+                <a16:creationId xmlns:a16="http://schemas.microsoft.com/office/drawing/2014/main" id="{180FBEB5-AC44-766B-38F5-CB4EBBD039E7}"/>
+              </a:ext>
+            </a:extLst>
+          </p:cNvPr>
+          <p:cNvSpPr txBox="1">
+            <a:spLocks/>
+          </p:cNvSpPr>
+          <p:nvPr/>
+        </p:nvSpPr>
+        <p:spPr>
+          <a:xfrm>
+            <a:off x="1685447" y="1394125"/>
+            <a:ext cx="7681837" cy="2018925"/>
+          </a:xfrm>
+          <a:prstGeom prst="rect">
+            <a:avLst/>
+          </a:prstGeom>
+        </p:spPr>
+        <p:txBody>
+          <a:bodyPr vert="horz" lIns="91440" tIns="45720" rIns="91440" bIns="45720" rtlCol="0" anchor="b">
+            <a:normAutofit/>
+          </a:bodyPr>
+          <a:lstStyle>
+            <a:lvl1pPr algn="l" defTabSz="457200" rtl="0" eaLnBrk="1" latinLnBrk="0" hangingPunct="1">
+              <a:spcBef>
+                <a:spcPct val="0"/>
+              </a:spcBef>
+              <a:buNone/>
+              <a:defRPr sz="5400" kern="1200">
+                <a:solidFill>
+                  <a:schemeClr val="tx1">
+                    <a:lumMod val="85000"/>
+                    <a:lumOff val="15000"/>
+                  </a:schemeClr>
+                </a:solidFill>
+                <a:latin typeface="+mj-lt"/>
+                <a:ea typeface="+mj-ea"/>
+                <a:cs typeface="+mj-cs"/>
+              </a:defRPr>
+            </a:lvl1pPr>
+            <a:lvl2pPr eaLnBrk="1" hangingPunct="1">
+              <a:defRPr>
+                <a:solidFill>
+                  <a:schemeClr val="tx2"/>
+                </a:solidFill>
+              </a:defRPr>
+            </a:lvl2pPr>
+            <a:lvl3pPr eaLnBrk="1" hangingPunct="1">
+              <a:defRPr>
+                <a:solidFill>
+                  <a:schemeClr val="tx2"/>
+                </a:solidFill>
+              </a:defRPr>
+            </a:lvl3pPr>
+            <a:lvl4pPr eaLnBrk="1" hangingPunct="1">
+              <a:defRPr>
+                <a:solidFill>
+                  <a:schemeClr val="tx2"/>
+                </a:solidFill>
+              </a:defRPr>
+            </a:lvl4pPr>
+            <a:lvl5pPr eaLnBrk="1" hangingPunct="1">
+              <a:defRPr>
+                <a:solidFill>
+                  <a:schemeClr val="tx2"/>
+                </a:solidFill>
+              </a:defRPr>
+            </a:lvl5pPr>
+            <a:lvl6pPr eaLnBrk="1" hangingPunct="1">
+              <a:defRPr>
+                <a:solidFill>
+                  <a:schemeClr val="tx2"/>
+                </a:solidFill>
+              </a:defRPr>
+            </a:lvl6pPr>
+            <a:lvl7pPr eaLnBrk="1" hangingPunct="1">
+              <a:defRPr>
+                <a:solidFill>
+                  <a:schemeClr val="tx2"/>
+                </a:solidFill>
+              </a:defRPr>
+            </a:lvl7pPr>
+            <a:lvl8pPr eaLnBrk="1" hangingPunct="1">
+              <a:defRPr>
+                <a:solidFill>
+                  <a:schemeClr val="tx2"/>
+                </a:solidFill>
+              </a:defRPr>
+            </a:lvl8pPr>
+            <a:lvl9pPr eaLnBrk="1" hangingPunct="1">
+              <a:defRPr>
+                <a:solidFill>
+                  <a:schemeClr val="tx2"/>
+                </a:solidFill>
+              </a:defRPr>
+            </a:lvl9pPr>
+          </a:lstStyle>
+          <a:p>
+            <a:r>
+              <a:rPr lang="en-IN" sz="2000" b="1" u="sng" dirty="0"/>
+              <a:t>Using Email Classifier Tool</a:t>
+            </a:r>
+          </a:p>
+          <a:p>
+            <a:endParaRPr lang="en-IN" sz="2000" b="1" dirty="0"/>
+          </a:p>
+          <a:p>
+            <a:pPr marL="342900" indent="-342900">
+              <a:buFont typeface="Wingdings" panose="05000000000000000000" pitchFamily="2" charset="2"/>
+              <a:buChar char="Ø"/>
+            </a:pPr>
+            <a:r>
+              <a:rPr lang="en-IN" sz="1800" b="1" dirty="0"/>
+              <a:t>We can find mail category and type based on email input/body</a:t>
+            </a:r>
+          </a:p>
+          <a:p>
+            <a:pPr marL="285750" indent="-285750">
+              <a:buFont typeface="Wingdings" panose="05000000000000000000" pitchFamily="2" charset="2"/>
+              <a:buChar char="Ø"/>
+            </a:pPr>
+            <a:r>
+              <a:rPr lang="en-IN" sz="1800" b="1" dirty="0"/>
+              <a:t> Input field is free text, we can use Laymen terms to find </a:t>
+            </a:r>
+          </a:p>
+          <a:p>
+            <a:r>
+              <a:rPr lang="en-IN" sz="1800" b="1" dirty="0"/>
+              <a:t>        category</a:t>
+            </a:r>
+          </a:p>
+          <a:p>
+            <a:pPr marL="285750" indent="-285750">
+              <a:buFont typeface="Wingdings" panose="05000000000000000000" pitchFamily="2" charset="2"/>
+              <a:buChar char="Ø"/>
+            </a:pPr>
+            <a:r>
+              <a:rPr lang="en-IN" sz="1800" b="1" dirty="0"/>
+              <a:t>No Manual intervention</a:t>
+            </a:r>
+          </a:p>
+          <a:p>
+            <a:endParaRPr lang="en-IN" sz="2000" b="1" dirty="0"/>
+          </a:p>
+        </p:txBody>
+      </p:sp>
+      <p:sp>
+        <p:nvSpPr>
+          <p:cNvPr id="3" name="Title 1">
+            <a:extLst>
+              <a:ext uri="{FF2B5EF4-FFF2-40B4-BE49-F238E27FC236}">
+                <a16:creationId xmlns:a16="http://schemas.microsoft.com/office/drawing/2014/main" id="{E3799EB4-46F4-2090-5132-9F1D52226BD1}"/>
+              </a:ext>
+            </a:extLst>
+          </p:cNvPr>
+          <p:cNvSpPr txBox="1">
+            <a:spLocks/>
+          </p:cNvSpPr>
+          <p:nvPr/>
+        </p:nvSpPr>
+        <p:spPr>
+          <a:xfrm>
+            <a:off x="1685447" y="3444949"/>
+            <a:ext cx="10044222" cy="2440172"/>
+          </a:xfrm>
+          <a:prstGeom prst="rect">
+            <a:avLst/>
+          </a:prstGeom>
+        </p:spPr>
+        <p:txBody>
+          <a:bodyPr vert="horz" lIns="91440" tIns="45720" rIns="91440" bIns="45720" rtlCol="0" anchor="b">
+            <a:normAutofit/>
+          </a:bodyPr>
+          <a:lstStyle>
+            <a:lvl1pPr algn="l" defTabSz="457200" rtl="0" eaLnBrk="1" latinLnBrk="0" hangingPunct="1">
+              <a:spcBef>
+                <a:spcPct val="0"/>
+              </a:spcBef>
+              <a:buNone/>
+              <a:defRPr sz="5400" kern="1200">
+                <a:solidFill>
+                  <a:schemeClr val="tx1">
+                    <a:lumMod val="85000"/>
+                    <a:lumOff val="15000"/>
+                  </a:schemeClr>
+                </a:solidFill>
+                <a:latin typeface="+mj-lt"/>
+                <a:ea typeface="+mj-ea"/>
+                <a:cs typeface="+mj-cs"/>
+              </a:defRPr>
+            </a:lvl1pPr>
+            <a:lvl2pPr eaLnBrk="1" hangingPunct="1">
+              <a:defRPr>
+                <a:solidFill>
+                  <a:schemeClr val="tx2"/>
+                </a:solidFill>
+              </a:defRPr>
+            </a:lvl2pPr>
+            <a:lvl3pPr eaLnBrk="1" hangingPunct="1">
+              <a:defRPr>
+                <a:solidFill>
+                  <a:schemeClr val="tx2"/>
+                </a:solidFill>
+              </a:defRPr>
+            </a:lvl3pPr>
+            <a:lvl4pPr eaLnBrk="1" hangingPunct="1">
+              <a:defRPr>
+                <a:solidFill>
+                  <a:schemeClr val="tx2"/>
+                </a:solidFill>
+              </a:defRPr>
+            </a:lvl4pPr>
+            <a:lvl5pPr eaLnBrk="1" hangingPunct="1">
+              <a:defRPr>
+                <a:solidFill>
+                  <a:schemeClr val="tx2"/>
+                </a:solidFill>
+              </a:defRPr>
+            </a:lvl5pPr>
+            <a:lvl6pPr eaLnBrk="1" hangingPunct="1">
+              <a:defRPr>
+                <a:solidFill>
+                  <a:schemeClr val="tx2"/>
+                </a:solidFill>
+              </a:defRPr>
+            </a:lvl6pPr>
+            <a:lvl7pPr eaLnBrk="1" hangingPunct="1">
+              <a:defRPr>
+                <a:solidFill>
+                  <a:schemeClr val="tx2"/>
+                </a:solidFill>
+              </a:defRPr>
+            </a:lvl7pPr>
+            <a:lvl8pPr eaLnBrk="1" hangingPunct="1">
+              <a:defRPr>
+                <a:solidFill>
+                  <a:schemeClr val="tx2"/>
+                </a:solidFill>
+              </a:defRPr>
+            </a:lvl8pPr>
+            <a:lvl9pPr eaLnBrk="1" hangingPunct="1">
+              <a:defRPr>
+                <a:solidFill>
+                  <a:schemeClr val="tx2"/>
+                </a:solidFill>
+              </a:defRPr>
+            </a:lvl9pPr>
+          </a:lstStyle>
+          <a:p>
+            <a:r>
+              <a:rPr lang="en-IN" sz="2000" b="1" u="sng" dirty="0"/>
+              <a:t>Using Banking Email Filter Pro Dashboard</a:t>
+            </a:r>
+          </a:p>
+          <a:p>
+            <a:endParaRPr lang="en-IN" sz="2000" b="1" dirty="0"/>
+          </a:p>
+          <a:p>
+            <a:pPr marL="342900" indent="-342900">
+              <a:buFont typeface="Wingdings" panose="05000000000000000000" pitchFamily="2" charset="2"/>
+              <a:buChar char="Ø"/>
+            </a:pPr>
+            <a:r>
+              <a:rPr lang="en-IN" sz="1800" b="1" dirty="0"/>
+              <a:t>We can find mail severity and type based on email text/body  using AI</a:t>
+            </a:r>
+          </a:p>
+          <a:p>
+            <a:pPr marL="342900" indent="-342900">
+              <a:buFont typeface="Wingdings" panose="05000000000000000000" pitchFamily="2" charset="2"/>
+              <a:buChar char="Ø"/>
+            </a:pPr>
+            <a:r>
+              <a:rPr lang="en-IN" sz="1800" b="1" dirty="0"/>
+              <a:t>We can find mail business category and type based on email text/body using AI</a:t>
+            </a:r>
+          </a:p>
+          <a:p>
+            <a:pPr marL="285750" indent="-285750">
+              <a:buFont typeface="Wingdings" panose="05000000000000000000" pitchFamily="2" charset="2"/>
+              <a:buChar char="Ø"/>
+            </a:pPr>
+            <a:r>
+              <a:rPr lang="en-IN" sz="1800" b="1" dirty="0"/>
+              <a:t> Dashbard loads mails with category and severity, no need to open mail and assess separately.</a:t>
+            </a:r>
+          </a:p>
+          <a:p>
+            <a:pPr marL="285750" indent="-285750">
+              <a:buFont typeface="Wingdings" panose="05000000000000000000" pitchFamily="2" charset="2"/>
+              <a:buChar char="Ø"/>
+            </a:pPr>
+            <a:r>
+              <a:rPr lang="en-IN" sz="1800" b="1" dirty="0"/>
+              <a:t>No Manual intervention</a:t>
+            </a:r>
+          </a:p>
+          <a:p>
+            <a:endParaRPr lang="en-IN" sz="2000" b="1" dirty="0"/>
+          </a:p>
+        </p:txBody>
+      </p:sp>
+      <p:pic>
+        <p:nvPicPr>
+          <p:cNvPr id="6" name="Picture 5">
+            <a:extLst>
+              <a:ext uri="{FF2B5EF4-FFF2-40B4-BE49-F238E27FC236}">
+                <a16:creationId xmlns:a16="http://schemas.microsoft.com/office/drawing/2014/main" id="{EDCA553A-97F2-22F5-5E0C-6C088A6FAD00}"/>
+              </a:ext>
+            </a:extLst>
+          </p:cNvPr>
+          <p:cNvPicPr>
+            <a:picLocks noChangeAspect="1"/>
+          </p:cNvPicPr>
+          <p:nvPr/>
+        </p:nvPicPr>
+        <p:blipFill>
+          <a:blip r:embed="rId2"/>
+          <a:stretch>
+            <a:fillRect/>
+          </a:stretch>
+        </p:blipFill>
+        <p:spPr>
+          <a:xfrm>
+            <a:off x="9367284" y="2195488"/>
+            <a:ext cx="2514729" cy="1752690"/>
+          </a:xfrm>
+          <a:prstGeom prst="rect">
+            <a:avLst/>
+          </a:prstGeom>
+        </p:spPr>
+      </p:pic>
+    </p:spTree>
+    <p:extLst>
+      <p:ext uri="{BB962C8B-B14F-4D97-AF65-F5344CB8AC3E}">
+        <p14:creationId xmlns:p14="http://schemas.microsoft.com/office/powerpoint/2010/main" val="3663833025"/>
+      </p:ext>
+    </p:extLst>
+  </p:cSld>
+  <p:clrMapOvr>
+    <a:masterClrMapping/>
+  </p:clrMapOvr>
+</p:sld>
+</file>
+
+<file path=ppt/slides/slide5.xml><?xml version="1.0" encoding="utf-8"?>
+<p:sld xmlns:a="http://schemas.openxmlformats.org/drawingml/2006/main" xmlns:r="http://schemas.openxmlformats.org/officeDocument/2006/relationships" xmlns:p="http://schemas.openxmlformats.org/presentationml/2006/main">
+  <p:cSld>
+    <p:spTree>
+      <p:nvGrpSpPr>
+        <p:cNvPr id="1" name="">
+          <a:extLst>
+            <a:ext uri="{FF2B5EF4-FFF2-40B4-BE49-F238E27FC236}">
+              <a16:creationId xmlns:a16="http://schemas.microsoft.com/office/drawing/2014/main" id="{D63DFB56-7784-B038-B5F9-72888845A421}"/>
+            </a:ext>
+          </a:extLst>
+        </p:cNvPr>
+        <p:cNvGrpSpPr/>
+        <p:nvPr/>
+      </p:nvGrpSpPr>
+      <p:grpSpPr>
+        <a:xfrm>
+          <a:off x="0" y="0"/>
+          <a:ext cx="0" cy="0"/>
+          <a:chOff x="0" y="0"/>
+          <a:chExt cx="0" cy="0"/>
+        </a:xfrm>
+      </p:grpSpPr>
+      <p:sp>
+        <p:nvSpPr>
+          <p:cNvPr id="2" name="Title 1">
+            <a:extLst>
+              <a:ext uri="{FF2B5EF4-FFF2-40B4-BE49-F238E27FC236}">
+                <a16:creationId xmlns:a16="http://schemas.microsoft.com/office/drawing/2014/main" id="{1FF99E70-8B0A-A04F-8209-093D30B07348}"/>
+              </a:ext>
+            </a:extLst>
+          </p:cNvPr>
+          <p:cNvSpPr>
+            <a:spLocks noGrp="1"/>
+          </p:cNvSpPr>
+          <p:nvPr>
+            <p:ph type="ctrTitle"/>
+          </p:nvPr>
+        </p:nvSpPr>
+        <p:spPr>
+          <a:xfrm>
+            <a:off x="8073657" y="3984550"/>
+            <a:ext cx="8915399" cy="1079205"/>
+          </a:xfrm>
+        </p:spPr>
+        <p:txBody>
+          <a:bodyPr>
+            <a:normAutofit/>
+          </a:bodyPr>
+          <a:lstStyle/>
+          <a:p>
+            <a:r>
+              <a:rPr lang="en-IN" sz="3600" b="1" dirty="0"/>
+              <a:t>Thank You</a:t>
+            </a:r>
+          </a:p>
+        </p:txBody>
+      </p:sp>
+    </p:spTree>
+    <p:extLst>
+      <p:ext uri="{BB962C8B-B14F-4D97-AF65-F5344CB8AC3E}">
+        <p14:creationId xmlns:p14="http://schemas.microsoft.com/office/powerpoint/2010/main" val="1589921510"/>
+      </p:ext>
+    </p:extLst>
+  </p:cSld>
+  <p:clrMapOvr>
+    <a:masterClrMapping/>
+  </p:clrMapOvr>
+</p:sld>
+</file>
+
 <file path=ppt/theme/theme1.xml><?xml version="1.0" encoding="utf-8"?>
 <a:theme xmlns:a="http://schemas.openxmlformats.org/drawingml/2006/main" name="Wisp">
   <a:themeElements>
